--- a/documents/pictureAux.pptx
+++ b/documents/pictureAux.pptx
@@ -106,6 +106,11 @@
       </a:defRPr>
     </a:lvl9pPr>
   </p:defaultTextStyle>
+  <p:extLst>
+    <p:ext uri="{EFAFB233-063F-42B5-8137-9DF3F51BA10A}">
+      <p15:sldGuideLst xmlns:p15="http://schemas.microsoft.com/office/powerpoint/2012/main"/>
+    </p:ext>
+  </p:extLst>
 </p:presentation>
 </file>
 
@@ -256,7 +261,7 @@
           <a:p>
             <a:fld id="{A1FBD2EC-6C51-4E57-80E6-4B47690C7A9A}" type="datetimeFigureOut">
               <a:rPr lang="en-US" smtClean="0"/>
-              <a:t>6/5/2021</a:t>
+              <a:t>6/26/2021</a:t>
             </a:fld>
             <a:endParaRPr lang="en-US"/>
           </a:p>
@@ -454,7 +459,7 @@
           <a:p>
             <a:fld id="{A1FBD2EC-6C51-4E57-80E6-4B47690C7A9A}" type="datetimeFigureOut">
               <a:rPr lang="en-US" smtClean="0"/>
-              <a:t>6/5/2021</a:t>
+              <a:t>6/26/2021</a:t>
             </a:fld>
             <a:endParaRPr lang="en-US"/>
           </a:p>
@@ -662,7 +667,7 @@
           <a:p>
             <a:fld id="{A1FBD2EC-6C51-4E57-80E6-4B47690C7A9A}" type="datetimeFigureOut">
               <a:rPr lang="en-US" smtClean="0"/>
-              <a:t>6/5/2021</a:t>
+              <a:t>6/26/2021</a:t>
             </a:fld>
             <a:endParaRPr lang="en-US"/>
           </a:p>
@@ -860,7 +865,7 @@
           <a:p>
             <a:fld id="{A1FBD2EC-6C51-4E57-80E6-4B47690C7A9A}" type="datetimeFigureOut">
               <a:rPr lang="en-US" smtClean="0"/>
-              <a:t>6/5/2021</a:t>
+              <a:t>6/26/2021</a:t>
             </a:fld>
             <a:endParaRPr lang="en-US"/>
           </a:p>
@@ -1135,7 +1140,7 @@
           <a:p>
             <a:fld id="{A1FBD2EC-6C51-4E57-80E6-4B47690C7A9A}" type="datetimeFigureOut">
               <a:rPr lang="en-US" smtClean="0"/>
-              <a:t>6/5/2021</a:t>
+              <a:t>6/26/2021</a:t>
             </a:fld>
             <a:endParaRPr lang="en-US"/>
           </a:p>
@@ -1400,7 +1405,7 @@
           <a:p>
             <a:fld id="{A1FBD2EC-6C51-4E57-80E6-4B47690C7A9A}" type="datetimeFigureOut">
               <a:rPr lang="en-US" smtClean="0"/>
-              <a:t>6/5/2021</a:t>
+              <a:t>6/26/2021</a:t>
             </a:fld>
             <a:endParaRPr lang="en-US"/>
           </a:p>
@@ -1812,7 +1817,7 @@
           <a:p>
             <a:fld id="{A1FBD2EC-6C51-4E57-80E6-4B47690C7A9A}" type="datetimeFigureOut">
               <a:rPr lang="en-US" smtClean="0"/>
-              <a:t>6/5/2021</a:t>
+              <a:t>6/26/2021</a:t>
             </a:fld>
             <a:endParaRPr lang="en-US"/>
           </a:p>
@@ -1953,7 +1958,7 @@
           <a:p>
             <a:fld id="{A1FBD2EC-6C51-4E57-80E6-4B47690C7A9A}" type="datetimeFigureOut">
               <a:rPr lang="en-US" smtClean="0"/>
-              <a:t>6/5/2021</a:t>
+              <a:t>6/26/2021</a:t>
             </a:fld>
             <a:endParaRPr lang="en-US"/>
           </a:p>
@@ -2066,7 +2071,7 @@
           <a:p>
             <a:fld id="{A1FBD2EC-6C51-4E57-80E6-4B47690C7A9A}" type="datetimeFigureOut">
               <a:rPr lang="en-US" smtClean="0"/>
-              <a:t>6/5/2021</a:t>
+              <a:t>6/26/2021</a:t>
             </a:fld>
             <a:endParaRPr lang="en-US"/>
           </a:p>
@@ -2377,7 +2382,7 @@
           <a:p>
             <a:fld id="{A1FBD2EC-6C51-4E57-80E6-4B47690C7A9A}" type="datetimeFigureOut">
               <a:rPr lang="en-US" smtClean="0"/>
-              <a:t>6/5/2021</a:t>
+              <a:t>6/26/2021</a:t>
             </a:fld>
             <a:endParaRPr lang="en-US"/>
           </a:p>
@@ -2665,7 +2670,7 @@
           <a:p>
             <a:fld id="{A1FBD2EC-6C51-4E57-80E6-4B47690C7A9A}" type="datetimeFigureOut">
               <a:rPr lang="en-US" smtClean="0"/>
-              <a:t>6/5/2021</a:t>
+              <a:t>6/26/2021</a:t>
             </a:fld>
             <a:endParaRPr lang="en-US"/>
           </a:p>
@@ -2906,7 +2911,7 @@
           <a:p>
             <a:fld id="{A1FBD2EC-6C51-4E57-80E6-4B47690C7A9A}" type="datetimeFigureOut">
               <a:rPr lang="en-US" smtClean="0"/>
-              <a:t>6/5/2021</a:t>
+              <a:t>6/26/2021</a:t>
             </a:fld>
             <a:endParaRPr lang="en-US"/>
           </a:p>
@@ -3891,16 +3896,6 @@
               <a:noFill/>
             </a:ln>
             <a:effectLst/>
-            <a:scene3d>
-              <a:camera prst="orthographicFront">
-                <a:rot lat="0" lon="0" rev="0"/>
-              </a:camera>
-              <a:lightRig rig="threePt" dir="t"/>
-            </a:scene3d>
-            <a:sp3d extrusionH="107950">
-              <a:bevelT w="127000" h="127000"/>
-              <a:bevelB w="139700" h="139700" prst="divot"/>
-            </a:sp3d>
           </p:spPr>
           <p:txBody>
             <a:bodyPr wrap="square" lIns="91440" tIns="45720" rIns="91440" bIns="45720">
